--- a/_PowerPoints/2nd Semester/Unit 9 Logarithms/Algebra_4_Day_078 Quiz and Test Review.pptx
+++ b/_PowerPoints/2nd Semester/Unit 9 Logarithms/Algebra_4_Day_078 Quiz and Test Review.pptx
@@ -6,13 +6,12 @@
   </p:sldMasterIdLst>
   <p:sldIdLst>
     <p:sldId id="336" r:id="rId2"/>
-    <p:sldId id="342" r:id="rId3"/>
-    <p:sldId id="256" r:id="rId4"/>
-    <p:sldId id="332" r:id="rId5"/>
-    <p:sldId id="343" r:id="rId6"/>
-    <p:sldId id="344" r:id="rId7"/>
-    <p:sldId id="341" r:id="rId8"/>
-    <p:sldId id="345" r:id="rId9"/>
+    <p:sldId id="346" r:id="rId3"/>
+    <p:sldId id="342" r:id="rId4"/>
+    <p:sldId id="256" r:id="rId5"/>
+    <p:sldId id="332" r:id="rId6"/>
+    <p:sldId id="341" r:id="rId7"/>
+    <p:sldId id="345" r:id="rId8"/>
   </p:sldIdLst>
   <p:sldSz cx="12192000" cy="6858000"/>
   <p:notesSz cx="7010400" cy="9296400"/>
@@ -289,7 +288,7 @@
             <a:fld id="{87DE6118-2437-4B30-8E3C-4D2BE6020583}" type="datetimeFigureOut">
               <a:rPr lang="en-US" dirty="0"/>
               <a:pPr/>
-              <a:t>4/16/2018</a:t>
+              <a:t>5/9/2018</a:t>
             </a:fld>
             <a:endParaRPr lang="en-US" dirty="0"/>
           </a:p>
@@ -615,7 +614,7 @@
           <a:p>
             <a:fld id="{87DE6118-2437-4B30-8E3C-4D2BE6020583}" type="datetimeFigureOut">
               <a:rPr lang="en-US" dirty="0"/>
-              <a:t>4/16/2018</a:t>
+              <a:t>5/9/2018</a:t>
             </a:fld>
             <a:endParaRPr lang="en-US" dirty="0"/>
           </a:p>
@@ -790,7 +789,7 @@
           <a:p>
             <a:fld id="{87DE6118-2437-4B30-8E3C-4D2BE6020583}" type="datetimeFigureOut">
               <a:rPr lang="en-US" dirty="0"/>
-              <a:t>4/16/2018</a:t>
+              <a:t>5/9/2018</a:t>
             </a:fld>
             <a:endParaRPr lang="en-US" dirty="0"/>
           </a:p>
@@ -955,7 +954,7 @@
           <a:p>
             <a:fld id="{87DE6118-2437-4B30-8E3C-4D2BE6020583}" type="datetimeFigureOut">
               <a:rPr lang="en-US" dirty="0"/>
-              <a:t>4/16/2018</a:t>
+              <a:t>5/9/2018</a:t>
             </a:fld>
             <a:endParaRPr lang="en-US" dirty="0"/>
           </a:p>
@@ -1228,7 +1227,7 @@
             <a:fld id="{87DE6118-2437-4B30-8E3C-4D2BE6020583}" type="datetimeFigureOut">
               <a:rPr lang="en-US" dirty="0"/>
               <a:pPr/>
-              <a:t>4/16/2018</a:t>
+              <a:t>5/9/2018</a:t>
             </a:fld>
             <a:endParaRPr lang="en-US" dirty="0"/>
           </a:p>
@@ -1618,7 +1617,7 @@
           <a:p>
             <a:fld id="{87DE6118-2437-4B30-8E3C-4D2BE6020583}" type="datetimeFigureOut">
               <a:rPr lang="en-US" dirty="0"/>
-              <a:t>4/16/2018</a:t>
+              <a:t>5/9/2018</a:t>
             </a:fld>
             <a:endParaRPr lang="en-US" dirty="0"/>
           </a:p>
@@ -2090,7 +2089,7 @@
           <a:p>
             <a:fld id="{87DE6118-2437-4B30-8E3C-4D2BE6020583}" type="datetimeFigureOut">
               <a:rPr lang="en-US" dirty="0"/>
-              <a:t>4/16/2018</a:t>
+              <a:t>5/9/2018</a:t>
             </a:fld>
             <a:endParaRPr lang="en-US" dirty="0"/>
           </a:p>
@@ -2203,7 +2202,7 @@
           <a:p>
             <a:fld id="{87DE6118-2437-4B30-8E3C-4D2BE6020583}" type="datetimeFigureOut">
               <a:rPr lang="en-US" dirty="0"/>
-              <a:t>4/16/2018</a:t>
+              <a:t>5/9/2018</a:t>
             </a:fld>
             <a:endParaRPr lang="en-US" dirty="0"/>
           </a:p>
@@ -2293,7 +2292,7 @@
           <a:p>
             <a:fld id="{87DE6118-2437-4B30-8E3C-4D2BE6020583}" type="datetimeFigureOut">
               <a:rPr lang="en-US" dirty="0"/>
-              <a:t>4/16/2018</a:t>
+              <a:t>5/9/2018</a:t>
             </a:fld>
             <a:endParaRPr lang="en-US" dirty="0"/>
           </a:p>
@@ -2635,7 +2634,7 @@
             <a:fld id="{87DE6118-2437-4B30-8E3C-4D2BE6020583}" type="datetimeFigureOut">
               <a:rPr lang="en-US" dirty="0"/>
               <a:pPr/>
-              <a:t>4/16/2018</a:t>
+              <a:t>5/9/2018</a:t>
             </a:fld>
             <a:endParaRPr lang="en-US" dirty="0"/>
           </a:p>
@@ -3020,7 +3019,7 @@
             <a:fld id="{87DE6118-2437-4B30-8E3C-4D2BE6020583}" type="datetimeFigureOut">
               <a:rPr lang="en-US" dirty="0"/>
               <a:pPr/>
-              <a:t>4/16/2018</a:t>
+              <a:t>5/9/2018</a:t>
             </a:fld>
             <a:endParaRPr lang="en-US" dirty="0"/>
           </a:p>
@@ -3295,7 +3294,7 @@
             <a:fld id="{87DE6118-2437-4B30-8E3C-4D2BE6020583}" type="datetimeFigureOut">
               <a:rPr lang="en-US" dirty="0"/>
               <a:pPr/>
-              <a:t>4/16/2018</a:t>
+              <a:t>5/9/2018</a:t>
             </a:fld>
             <a:endParaRPr lang="en-US" dirty="0"/>
           </a:p>
@@ -3831,8 +3830,8 @@
           </a:p>
         </p:txBody>
       </p:sp>
-      <mc:AlternateContent xmlns:mc="http://schemas.openxmlformats.org/markup-compatibility/2006" xmlns:a14="http://schemas.microsoft.com/office/drawing/2010/main">
-        <mc:Choice Requires="a14">
+      <mc:AlternateContent xmlns:mc="http://schemas.openxmlformats.org/markup-compatibility/2006">
+        <mc:Choice xmlns:a14="http://schemas.microsoft.com/office/drawing/2010/main" Requires="a14">
           <p:sp>
             <p:nvSpPr>
               <p:cNvPr id="3" name="Content Placeholder 2"/>
@@ -3892,22 +3891,10 @@
                             <m:t>−2</m:t>
                           </m:r>
                           <m:r>
-                            <a:rPr lang="en-US" sz="3200" i="1">
-                              <a:latin typeface="Cambria Math" panose="02040503050406030204" pitchFamily="18" charset="0"/>
-                            </a:rPr>
-                            <m:t>(</m:t>
-                          </m:r>
-                          <m:r>
                             <a:rPr lang="en-US" sz="3200" b="0" i="1" smtClean="0">
                               <a:latin typeface="Cambria Math" panose="02040503050406030204" pitchFamily="18" charset="0"/>
                             </a:rPr>
-                            <m:t>4</m:t>
-                          </m:r>
-                          <m:r>
-                            <a:rPr lang="en-US" sz="3200" i="1">
-                              <a:latin typeface="Cambria Math" panose="02040503050406030204" pitchFamily="18" charset="0"/>
-                            </a:rPr>
-                            <m:t>)</m:t>
+                            <m:t>𝑒</m:t>
                           </m:r>
                         </m:e>
                         <m:sup>
@@ -3932,10 +3919,16 @@
                         <m:t>−</m:t>
                       </m:r>
                       <m:r>
+                        <a:rPr lang="en-US" sz="3200" b="0" i="1" smtClean="0">
+                          <a:latin typeface="Cambria Math" panose="02040503050406030204" pitchFamily="18" charset="0"/>
+                        </a:rPr>
+                        <m:t>8</m:t>
+                      </m:r>
+                      <m:r>
                         <a:rPr lang="en-US" sz="3200" i="1">
                           <a:latin typeface="Cambria Math" panose="02040503050406030204" pitchFamily="18" charset="0"/>
                         </a:rPr>
-                        <m:t>2=</m:t>
+                        <m:t>=</m:t>
                       </m:r>
                       <m:r>
                         <a:rPr lang="en-US" sz="3200" b="0" i="1" smtClean="0">
@@ -3979,52 +3972,24 @@
                           </m:ctrlPr>
                         </m:funcPr>
                         <m:fName>
-                          <m:sSub>
-                            <m:sSubPr>
-                              <m:ctrlPr>
-                                <a:rPr lang="en-US" sz="3200" i="1">
-                                  <a:latin typeface="Cambria Math" panose="02040503050406030204" pitchFamily="18" charset="0"/>
-                                </a:rPr>
-                              </m:ctrlPr>
-                            </m:sSubPr>
-                            <m:e>
-                              <m:r>
-                                <a:rPr lang="en-US" sz="3200" b="0" i="0" smtClean="0">
-                                  <a:latin typeface="Cambria Math" panose="02040503050406030204" pitchFamily="18" charset="0"/>
-                                </a:rPr>
-                                <m:t>2</m:t>
-                              </m:r>
-                              <m:r>
-                                <a:rPr lang="en-US" sz="3200">
-                                  <a:latin typeface="Cambria Math" panose="02040503050406030204" pitchFamily="18" charset="0"/>
-                                </a:rPr>
-                                <m:t>.) </m:t>
-                              </m:r>
-                              <m:r>
-                                <a:rPr lang="en-US" sz="3200" b="0" i="0" smtClean="0">
-                                  <a:latin typeface="Cambria Math" panose="02040503050406030204" pitchFamily="18" charset="0"/>
-                                </a:rPr>
-                                <m:t>7</m:t>
-                              </m:r>
-                              <m:r>
-                                <m:rPr>
-                                  <m:sty m:val="p"/>
-                                </m:rPr>
-                                <a:rPr lang="en-US" sz="3200">
-                                  <a:latin typeface="Cambria Math" panose="02040503050406030204" pitchFamily="18" charset="0"/>
-                                </a:rPr>
-                                <m:t>log</m:t>
-                              </m:r>
-                            </m:e>
-                            <m:sub>
-                              <m:r>
-                                <a:rPr lang="en-US" sz="3200" b="0" i="1" smtClean="0">
-                                  <a:latin typeface="Cambria Math" panose="02040503050406030204" pitchFamily="18" charset="0"/>
-                                </a:rPr>
-                                <m:t>5</m:t>
-                              </m:r>
-                            </m:sub>
-                          </m:sSub>
+                          <m:r>
+                            <a:rPr lang="en-US" sz="3200" i="1" smtClean="0">
+                              <a:latin typeface="Cambria Math" panose="02040503050406030204" pitchFamily="18" charset="0"/>
+                            </a:rPr>
+                            <m:t>2</m:t>
+                          </m:r>
+                          <m:r>
+                            <a:rPr lang="en-US" sz="3200" b="0" i="1" smtClean="0">
+                              <a:latin typeface="Cambria Math" panose="02040503050406030204" pitchFamily="18" charset="0"/>
+                            </a:rPr>
+                            <m:t>.) 7</m:t>
+                          </m:r>
+                          <m:r>
+                            <a:rPr lang="en-US" sz="3200" b="0" i="1" smtClean="0">
+                              <a:latin typeface="Cambria Math" panose="02040503050406030204" pitchFamily="18" charset="0"/>
+                            </a:rPr>
+                            <m:t>𝑙𝑛</m:t>
+                          </m:r>
                         </m:fName>
                         <m:e>
                           <m:d>
@@ -4047,6 +4012,12 @@
                                   <a:latin typeface="Cambria Math" panose="02040503050406030204" pitchFamily="18" charset="0"/>
                                 </a:rPr>
                                 <m:t>𝑥</m:t>
+                              </m:r>
+                              <m:r>
+                                <a:rPr lang="en-US" sz="3200" b="0" i="1" smtClean="0">
+                                  <a:latin typeface="Cambria Math" panose="02040503050406030204" pitchFamily="18" charset="0"/>
+                                </a:rPr>
+                                <m:t>−2</m:t>
                               </m:r>
                             </m:e>
                           </m:d>
@@ -4160,16 +4131,10 @@
                             </m:e>
                           </m:d>
                           <m:r>
-                            <a:rPr lang="en-US" sz="3200" i="1">
-                              <a:latin typeface="Cambria Math" panose="02040503050406030204" pitchFamily="18" charset="0"/>
-                            </a:rPr>
-                            <m:t>=</m:t>
-                          </m:r>
-                          <m:r>
                             <a:rPr lang="en-US" sz="3200" b="0" i="1" smtClean="0">
                               <a:latin typeface="Cambria Math" panose="02040503050406030204" pitchFamily="18" charset="0"/>
                             </a:rPr>
-                            <m:t> ??</m:t>
+                            <m:t>=??</m:t>
                           </m:r>
                         </m:e>
                       </m:func>
@@ -4181,7 +4146,7 @@
             </p:txBody>
           </p:sp>
         </mc:Choice>
-        <mc:Fallback xmlns="">
+        <mc:Fallback>
           <p:sp>
             <p:nvSpPr>
               <p:cNvPr id="3" name="Content Placeholder 2"/>
@@ -4273,7 +4238,7 @@
           <a:p>
             <a:r>
               <a:rPr lang="en-US" dirty="0" smtClean="0"/>
-              <a:t>From Last Time</a:t>
+              <a:t>For Quiz Today</a:t>
             </a:r>
             <a:endParaRPr lang="en-US" dirty="0"/>
           </a:p>
@@ -4296,21 +4261,36 @@
           </a:bodyPr>
           <a:lstStyle/>
           <a:p>
-            <a:pPr marL="0" indent="0">
-              <a:buNone/>
-            </a:pPr>
-            <a:r>
-              <a:rPr lang="en-US" sz="3400" dirty="0" smtClean="0"/>
-              <a:t>Page 262 #15, 17, 21, 43, 59, 61</a:t>
-            </a:r>
-            <a:endParaRPr lang="en-US" sz="3400" dirty="0"/>
+            <a:r>
+              <a:rPr lang="en-US" sz="3000" dirty="0" smtClean="0"/>
+              <a:t>Evaluate</a:t>
+            </a:r>
+          </a:p>
+          <a:p>
+            <a:r>
+              <a:rPr lang="en-US" sz="3000" dirty="0" smtClean="0"/>
+              <a:t>Expand</a:t>
+            </a:r>
+          </a:p>
+          <a:p>
+            <a:r>
+              <a:rPr lang="en-US" sz="3000" dirty="0" smtClean="0"/>
+              <a:t>Solve</a:t>
+            </a:r>
+          </a:p>
+          <a:p>
+            <a:r>
+              <a:rPr lang="en-US" sz="3000" dirty="0" smtClean="0"/>
+              <a:t>Compound Continuously </a:t>
+            </a:r>
+            <a:endParaRPr lang="en-US" sz="3000" dirty="0"/>
           </a:p>
         </p:txBody>
       </p:sp>
     </p:spTree>
     <p:extLst>
       <p:ext uri="{BB962C8B-B14F-4D97-AF65-F5344CB8AC3E}">
-        <p14:creationId xmlns:p14="http://schemas.microsoft.com/office/powerpoint/2010/main" val="1338838646"/>
+        <p14:creationId xmlns:p14="http://schemas.microsoft.com/office/powerpoint/2010/main" val="2041974615"/>
       </p:ext>
     </p:extLst>
   </p:cSld>
@@ -4351,7 +4331,7 @@
             <a:spLocks noGrp="1"/>
           </p:cNvSpPr>
           <p:nvPr>
-            <p:ph type="ctrTitle"/>
+            <p:ph type="title"/>
           </p:nvPr>
         </p:nvSpPr>
         <p:spPr/>
@@ -4361,47 +4341,44 @@
           <a:p>
             <a:r>
               <a:rPr lang="en-US" dirty="0" smtClean="0"/>
-              <a:t>Pre-</a:t>
-            </a:r>
-            <a:r>
-              <a:rPr lang="en-US" dirty="0" err="1" smtClean="0"/>
-              <a:t>calc</a:t>
-            </a:r>
-            <a:r>
-              <a:rPr lang="en-US" dirty="0" smtClean="0"/>
-              <a:t> trig</a:t>
-            </a:r>
-            <a:endParaRPr lang="en-US" dirty="0"/>
-          </a:p>
-        </p:txBody>
-      </p:sp>
-      <p:sp>
-        <p:nvSpPr>
-          <p:cNvPr id="3" name="Subtitle 2"/>
-          <p:cNvSpPr>
-            <a:spLocks noGrp="1"/>
-          </p:cNvSpPr>
-          <p:nvPr>
-            <p:ph type="subTitle" idx="1"/>
+              <a:t>From Last Time</a:t>
+            </a:r>
+            <a:endParaRPr lang="en-US" dirty="0"/>
+          </a:p>
+        </p:txBody>
+      </p:sp>
+      <p:sp>
+        <p:nvSpPr>
+          <p:cNvPr id="3" name="Content Placeholder 2"/>
+          <p:cNvSpPr>
+            <a:spLocks noGrp="1"/>
+          </p:cNvSpPr>
+          <p:nvPr>
+            <p:ph idx="1"/>
           </p:nvPr>
         </p:nvSpPr>
         <p:spPr/>
         <p:txBody>
-          <a:bodyPr/>
+          <a:bodyPr>
+            <a:normAutofit/>
+          </a:bodyPr>
           <a:lstStyle/>
           <a:p>
-            <a:r>
-              <a:rPr lang="en-US" dirty="0" smtClean="0"/>
-              <a:t>Day 27</a:t>
-            </a:r>
-            <a:endParaRPr lang="en-US" dirty="0"/>
+            <a:pPr marL="0" indent="0">
+              <a:buNone/>
+            </a:pPr>
+            <a:r>
+              <a:rPr lang="en-US" sz="3400" dirty="0" smtClean="0"/>
+              <a:t>Page 262 #15, 17, 21, 43, 59, 61</a:t>
+            </a:r>
+            <a:endParaRPr lang="en-US" sz="3400" dirty="0"/>
           </a:p>
         </p:txBody>
       </p:sp>
     </p:spTree>
     <p:extLst>
       <p:ext uri="{BB962C8B-B14F-4D97-AF65-F5344CB8AC3E}">
-        <p14:creationId xmlns:p14="http://schemas.microsoft.com/office/powerpoint/2010/main" val="1580792776"/>
+        <p14:creationId xmlns:p14="http://schemas.microsoft.com/office/powerpoint/2010/main" val="1338838646"/>
       </p:ext>
     </p:extLst>
   </p:cSld>
@@ -4442,12 +4419,103 @@
             <a:spLocks noGrp="1"/>
           </p:cNvSpPr>
           <p:nvPr>
+            <p:ph type="ctrTitle"/>
+          </p:nvPr>
+        </p:nvSpPr>
+        <p:spPr/>
+        <p:txBody>
+          <a:bodyPr/>
+          <a:lstStyle/>
+          <a:p>
+            <a:r>
+              <a:rPr lang="en-US" dirty="0" smtClean="0"/>
+              <a:t>Pre-</a:t>
+            </a:r>
+            <a:r>
+              <a:rPr lang="en-US" dirty="0" err="1" smtClean="0"/>
+              <a:t>calc</a:t>
+            </a:r>
+            <a:r>
+              <a:rPr lang="en-US" dirty="0" smtClean="0"/>
+              <a:t> trig</a:t>
+            </a:r>
+            <a:endParaRPr lang="en-US" dirty="0"/>
+          </a:p>
+        </p:txBody>
+      </p:sp>
+      <p:sp>
+        <p:nvSpPr>
+          <p:cNvPr id="3" name="Subtitle 2"/>
+          <p:cNvSpPr>
+            <a:spLocks noGrp="1"/>
+          </p:cNvSpPr>
+          <p:nvPr>
+            <p:ph type="subTitle" idx="1"/>
+          </p:nvPr>
+        </p:nvSpPr>
+        <p:spPr/>
+        <p:txBody>
+          <a:bodyPr/>
+          <a:lstStyle/>
+          <a:p>
+            <a:r>
+              <a:rPr lang="en-US" dirty="0" smtClean="0"/>
+              <a:t>Day 27</a:t>
+            </a:r>
+            <a:endParaRPr lang="en-US" dirty="0"/>
+          </a:p>
+        </p:txBody>
+      </p:sp>
+    </p:spTree>
+    <p:extLst>
+      <p:ext uri="{BB962C8B-B14F-4D97-AF65-F5344CB8AC3E}">
+        <p14:creationId xmlns:p14="http://schemas.microsoft.com/office/powerpoint/2010/main" val="1580792776"/>
+      </p:ext>
+    </p:extLst>
+  </p:cSld>
+  <p:clrMapOvr>
+    <a:masterClrMapping/>
+  </p:clrMapOvr>
+  <p:timing>
+    <p:tnLst>
+      <p:par>
+        <p:cTn id="1" dur="indefinite" restart="never" nodeType="tmRoot"/>
+      </p:par>
+    </p:tnLst>
+  </p:timing>
+</p:sld>
+</file>
+
+<file path=ppt/slides/slide5.xml><?xml version="1.0" encoding="utf-8"?>
+<p:sld xmlns:a="http://schemas.openxmlformats.org/drawingml/2006/main" xmlns:r="http://schemas.openxmlformats.org/officeDocument/2006/relationships" xmlns:p="http://schemas.openxmlformats.org/presentationml/2006/main">
+  <p:cSld>
+    <p:spTree>
+      <p:nvGrpSpPr>
+        <p:cNvPr id="1" name=""/>
+        <p:cNvGrpSpPr/>
+        <p:nvPr/>
+      </p:nvGrpSpPr>
+      <p:grpSpPr>
+        <a:xfrm>
+          <a:off x="0" y="0"/>
+          <a:ext cx="0" cy="0"/>
+          <a:chOff x="0" y="0"/>
+          <a:chExt cx="0" cy="0"/>
+        </a:xfrm>
+      </p:grpSpPr>
+      <p:sp>
+        <p:nvSpPr>
+          <p:cNvPr id="2" name="Title 1"/>
+          <p:cNvSpPr>
+            <a:spLocks noGrp="1"/>
+          </p:cNvSpPr>
+          <p:nvPr>
             <p:ph type="title"/>
           </p:nvPr>
         </p:nvSpPr>
         <p:spPr>
           <a:xfrm>
-            <a:off x="1371600" y="685800"/>
+            <a:off x="1371600" y="139219"/>
             <a:ext cx="9601200" cy="843197"/>
           </a:xfrm>
         </p:spPr>
@@ -4457,14 +4525,18 @@
           <a:p>
             <a:r>
               <a:rPr lang="en-US" b="1" u="sng" dirty="0" smtClean="0"/>
-              <a:t>Quiz 1 Level 2: Evaluate and Expand</a:t>
-            </a:r>
-            <a:endParaRPr lang="en-US" dirty="0"/>
-          </a:p>
-        </p:txBody>
-      </p:sp>
-      <mc:AlternateContent xmlns:mc="http://schemas.openxmlformats.org/markup-compatibility/2006" xmlns:a14="http://schemas.microsoft.com/office/drawing/2010/main">
-        <mc:Choice Requires="a14">
+              <a:t>Quiz </a:t>
+            </a:r>
+            <a:r>
+              <a:rPr lang="en-US" b="1" u="sng" dirty="0" smtClean="0"/>
+              <a:t>Log and Exponentials</a:t>
+            </a:r>
+            <a:endParaRPr lang="en-US" dirty="0"/>
+          </a:p>
+        </p:txBody>
+      </p:sp>
+      <mc:AlternateContent xmlns:mc="http://schemas.openxmlformats.org/markup-compatibility/2006">
+        <mc:Choice xmlns:a14="http://schemas.microsoft.com/office/drawing/2010/main" Requires="a14">
           <p:sp>
             <p:nvSpPr>
               <p:cNvPr id="3" name="Content Placeholder 2"/>
@@ -4477,8 +4549,8 @@
             </p:nvSpPr>
             <p:spPr>
               <a:xfrm>
-                <a:off x="1371600" y="1708879"/>
-                <a:ext cx="8319541" cy="5036695"/>
+                <a:off x="1371600" y="1143201"/>
+                <a:ext cx="3091543" cy="3265831"/>
               </a:xfrm>
             </p:spPr>
             <p:txBody>
@@ -4551,76 +4623,6 @@
                 <a:pPr marL="0" indent="0">
                   <a:buNone/>
                 </a:pPr>
-                <a:endParaRPr lang="en-US" dirty="0" smtClean="0"/>
-              </a:p>
-              <a:p>
-                <a:pPr marL="0" indent="0">
-                  <a:buNone/>
-                </a:pPr>
-                <a14:m>
-                  <m:oMathPara xmlns:m="http://schemas.openxmlformats.org/officeDocument/2006/math">
-                    <m:oMathParaPr>
-                      <m:jc m:val="left"/>
-                    </m:oMathParaPr>
-                    <m:oMath xmlns:m="http://schemas.openxmlformats.org/officeDocument/2006/math">
-                      <m:sSub>
-                        <m:sSubPr>
-                          <m:ctrlPr>
-                            <a:rPr lang="en-US" sz="3200" i="1">
-                              <a:latin typeface="Cambria Math" panose="02040503050406030204" pitchFamily="18" charset="0"/>
-                            </a:rPr>
-                          </m:ctrlPr>
-                        </m:sSubPr>
-                        <m:e>
-                          <m:r>
-                            <a:rPr lang="en-US" sz="3200" b="0" i="1" smtClean="0">
-                              <a:latin typeface="Cambria Math" panose="02040503050406030204" pitchFamily="18" charset="0"/>
-                            </a:rPr>
-                            <m:t>2</m:t>
-                          </m:r>
-                          <m:r>
-                            <a:rPr lang="en-US" sz="3200" i="1">
-                              <a:latin typeface="Cambria Math" panose="02040503050406030204" pitchFamily="18" charset="0"/>
-                            </a:rPr>
-                            <m:t>.)  </m:t>
-                          </m:r>
-                          <m:r>
-                            <a:rPr lang="en-US" sz="3200" i="1">
-                              <a:latin typeface="Cambria Math" panose="02040503050406030204" pitchFamily="18" charset="0"/>
-                            </a:rPr>
-                            <m:t>𝑙𝑜𝑔</m:t>
-                          </m:r>
-                        </m:e>
-                        <m:sub>
-                          <m:r>
-                            <a:rPr lang="en-US" sz="3200" i="1">
-                              <a:latin typeface="Cambria Math" panose="02040503050406030204" pitchFamily="18" charset="0"/>
-                            </a:rPr>
-                            <m:t>25</m:t>
-                          </m:r>
-                        </m:sub>
-                      </m:sSub>
-                      <m:r>
-                        <a:rPr lang="en-US" sz="3200" i="1">
-                          <a:latin typeface="Cambria Math" panose="02040503050406030204" pitchFamily="18" charset="0"/>
-                        </a:rPr>
-                        <m:t>5</m:t>
-                      </m:r>
-                    </m:oMath>
-                  </m:oMathPara>
-                </a14:m>
-                <a:endParaRPr lang="en-US" sz="3200" dirty="0" smtClean="0"/>
-              </a:p>
-              <a:p>
-                <a:pPr marL="0" indent="0">
-                  <a:buNone/>
-                </a:pPr>
-                <a:endParaRPr lang="en-US" sz="3200" dirty="0"/>
-              </a:p>
-              <a:p>
-                <a:pPr marL="0" indent="0">
-                  <a:buNone/>
-                </a:pPr>
                 <a14:m>
                   <m:oMathPara xmlns:m="http://schemas.openxmlformats.org/officeDocument/2006/math">
                     <m:oMathParaPr>
@@ -4631,7 +4633,13 @@
                         <a:rPr lang="en-US" sz="3200" b="0" i="1" smtClean="0">
                           <a:latin typeface="Cambria Math" panose="02040503050406030204" pitchFamily="18" charset="0"/>
                         </a:rPr>
-                        <m:t>3.) </m:t>
+                        <m:t>2</m:t>
+                      </m:r>
+                      <m:r>
+                        <a:rPr lang="en-US" sz="3200" b="0" i="1" smtClean="0">
+                          <a:latin typeface="Cambria Math" panose="02040503050406030204" pitchFamily="18" charset="0"/>
+                        </a:rPr>
+                        <m:t>.) </m:t>
                       </m:r>
                       <m:r>
                         <a:rPr lang="en-US" sz="3200" i="1">
@@ -4685,15 +4693,13 @@
                 <a:pPr marL="0" indent="0">
                   <a:buNone/>
                 </a:pPr>
-                <a:endParaRPr lang="en-US" sz="3200" dirty="0" smtClean="0"/>
-              </a:p>
-              <a:p>
-                <a:pPr marL="0" indent="0">
-                  <a:buNone/>
-                </a:pPr>
                 <a:r>
                   <a:rPr lang="en-US" sz="3200" b="1" u="sng" dirty="0" smtClean="0"/>
-                  <a:t>Expand:</a:t>
+                  <a:t>Expand</a:t>
+                </a:r>
+                <a:r>
+                  <a:rPr lang="en-US" sz="3200" b="1" u="sng" dirty="0" smtClean="0"/>
+                  <a:t>:</a:t>
                 </a:r>
                 <a:endParaRPr lang="en-US" sz="3200" b="1" u="sng" dirty="0"/>
               </a:p>
@@ -4717,10 +4723,16 @@
                         </m:sSubPr>
                         <m:e>
                           <m:r>
+                            <a:rPr lang="en-US" sz="3200" b="0" i="1" smtClean="0">
+                              <a:latin typeface="Cambria Math" panose="02040503050406030204" pitchFamily="18" charset="0"/>
+                            </a:rPr>
+                            <m:t>3</m:t>
+                          </m:r>
+                          <m:r>
                             <a:rPr lang="en-US" sz="3200" i="1">
                               <a:latin typeface="Cambria Math" panose="02040503050406030204" pitchFamily="18" charset="0"/>
                             </a:rPr>
-                            <m:t>4.)  </m:t>
+                            <m:t>.)  </m:t>
                           </m:r>
                           <m:r>
                             <a:rPr lang="en-US" sz="3200" i="1">
@@ -4802,7 +4814,7 @@
             </p:txBody>
           </p:sp>
         </mc:Choice>
-        <mc:Fallback xmlns="">
+        <mc:Fallback>
           <p:sp>
             <p:nvSpPr>
               <p:cNvPr id="3" name="Content Placeholder 2"/>
@@ -4815,13 +4827,13 @@
             </p:nvSpPr>
             <p:spPr>
               <a:xfrm>
-                <a:off x="1371600" y="1708879"/>
-                <a:ext cx="8319541" cy="5036695"/>
+                <a:off x="1371600" y="1143201"/>
+                <a:ext cx="3091543" cy="3265831"/>
               </a:xfrm>
               <a:blipFill rotWithShape="0">
                 <a:blip r:embed="rId2"/>
                 <a:stretch>
-                  <a:fillRect l="-1832" t="-2056"/>
+                  <a:fillRect l="-4931" t="-3178"/>
                 </a:stretch>
               </a:blipFill>
             </p:spPr>
@@ -4840,96 +4852,233 @@
           </p:sp>
         </mc:Fallback>
       </mc:AlternateContent>
-    </p:spTree>
-    <p:extLst>
-      <p:ext uri="{BB962C8B-B14F-4D97-AF65-F5344CB8AC3E}">
-        <p14:creationId xmlns:p14="http://schemas.microsoft.com/office/powerpoint/2010/main" val="4225393038"/>
-      </p:ext>
-    </p:extLst>
-  </p:cSld>
-  <p:clrMapOvr>
-    <a:masterClrMapping/>
-  </p:clrMapOvr>
-  <p:timing>
-    <p:tnLst>
-      <p:par>
-        <p:cTn id="1" dur="indefinite" restart="never" nodeType="tmRoot"/>
-      </p:par>
-    </p:tnLst>
-  </p:timing>
-</p:sld>
-</file>
-
-<file path=ppt/slides/slide5.xml><?xml version="1.0" encoding="utf-8"?>
-<p:sld xmlns:a="http://schemas.openxmlformats.org/drawingml/2006/main" xmlns:r="http://schemas.openxmlformats.org/officeDocument/2006/relationships" xmlns:p="http://schemas.openxmlformats.org/presentationml/2006/main">
-  <p:cSld>
-    <p:spTree>
-      <p:nvGrpSpPr>
-        <p:cNvPr id="1" name=""/>
-        <p:cNvGrpSpPr/>
-        <p:nvPr/>
-      </p:nvGrpSpPr>
-      <p:grpSpPr>
-        <a:xfrm>
-          <a:off x="0" y="0"/>
-          <a:ext cx="0" cy="0"/>
-          <a:chOff x="0" y="0"/>
-          <a:chExt cx="0" cy="0"/>
-        </a:xfrm>
-      </p:grpSpPr>
-      <p:sp>
-        <p:nvSpPr>
-          <p:cNvPr id="2" name="Title 1"/>
-          <p:cNvSpPr>
-            <a:spLocks noGrp="1"/>
-          </p:cNvSpPr>
-          <p:nvPr>
-            <p:ph type="title"/>
-          </p:nvPr>
-        </p:nvSpPr>
-        <p:spPr>
-          <a:xfrm>
-            <a:off x="1371600" y="685800"/>
-            <a:ext cx="9601200" cy="843197"/>
-          </a:xfrm>
-        </p:spPr>
-        <p:txBody>
-          <a:bodyPr/>
-          <a:lstStyle/>
-          <a:p>
-            <a:r>
-              <a:rPr lang="en-US" b="1" u="sng" dirty="0" smtClean="0"/>
-              <a:t>Quiz 1 Level 3: Solve</a:t>
-            </a:r>
-            <a:endParaRPr lang="en-US" dirty="0"/>
-          </a:p>
-        </p:txBody>
-      </p:sp>
-      <mc:AlternateContent xmlns:mc="http://schemas.openxmlformats.org/markup-compatibility/2006" xmlns:a14="http://schemas.microsoft.com/office/drawing/2010/main">
-        <mc:Choice Requires="a14">
+      <mc:AlternateContent xmlns:mc="http://schemas.openxmlformats.org/markup-compatibility/2006">
+        <mc:Choice xmlns:a14="http://schemas.microsoft.com/office/drawing/2010/main" Requires="a14">
           <p:sp>
             <p:nvSpPr>
-              <p:cNvPr id="3" name="Content Placeholder 2"/>
-              <p:cNvSpPr>
-                <a:spLocks noGrp="1"/>
+              <p:cNvPr id="4" name="Content Placeholder 2"/>
+              <p:cNvSpPr txBox="1">
+                <a:spLocks/>
               </p:cNvSpPr>
-              <p:nvPr>
-                <p:ph idx="1"/>
-              </p:nvPr>
+              <p:nvPr/>
             </p:nvSpPr>
             <p:spPr>
               <a:xfrm>
-                <a:off x="1371600" y="1708879"/>
-                <a:ext cx="8319541" cy="5036695"/>
+                <a:off x="6663659" y="1143201"/>
+                <a:ext cx="4458741" cy="5036695"/>
               </a:xfrm>
+              <a:prstGeom prst="rect">
+                <a:avLst/>
+              </a:prstGeom>
             </p:spPr>
             <p:txBody>
-              <a:bodyPr>
+              <a:bodyPr vert="horz" lIns="91440" tIns="45720" rIns="91440" bIns="45720" rtlCol="0">
                 <a:normAutofit/>
               </a:bodyPr>
-              <a:lstStyle/>
+              <a:lstStyle>
+                <a:lvl1pPr marL="384048" indent="-384048" algn="l" defTabSz="914400" rtl="0" eaLnBrk="1" latinLnBrk="0" hangingPunct="1">
+                  <a:lnSpc>
+                    <a:spcPct val="94000"/>
+                  </a:lnSpc>
+                  <a:spcBef>
+                    <a:spcPts val="1000"/>
+                  </a:spcBef>
+                  <a:spcAft>
+                    <a:spcPts val="200"/>
+                  </a:spcAft>
+                  <a:buFont typeface="Franklin Gothic Book" panose="020B0503020102020204" pitchFamily="34" charset="0"/>
+                  <a:buChar char="■"/>
+                  <a:defRPr sz="2000" kern="1200" baseline="0">
+                    <a:solidFill>
+                      <a:schemeClr val="tx2"/>
+                    </a:solidFill>
+                    <a:latin typeface="+mn-lt"/>
+                    <a:ea typeface="+mn-ea"/>
+                    <a:cs typeface="+mn-cs"/>
+                  </a:defRPr>
+                </a:lvl1pPr>
+                <a:lvl2pPr marL="914400" indent="-384048" algn="l" defTabSz="914400" rtl="0" eaLnBrk="1" latinLnBrk="0" hangingPunct="1">
+                  <a:lnSpc>
+                    <a:spcPct val="94000"/>
+                  </a:lnSpc>
+                  <a:spcBef>
+                    <a:spcPts val="500"/>
+                  </a:spcBef>
+                  <a:spcAft>
+                    <a:spcPts val="200"/>
+                  </a:spcAft>
+                  <a:buFont typeface="Franklin Gothic Book" panose="020B0503020102020204" pitchFamily="34" charset="0"/>
+                  <a:buChar char="–"/>
+                  <a:defRPr sz="2000" i="1" kern="1200" baseline="0">
+                    <a:solidFill>
+                      <a:schemeClr val="tx2"/>
+                    </a:solidFill>
+                    <a:latin typeface="+mn-lt"/>
+                    <a:ea typeface="+mn-ea"/>
+                    <a:cs typeface="+mn-cs"/>
+                  </a:defRPr>
+                </a:lvl2pPr>
+                <a:lvl3pPr marL="1371600" indent="-384048" algn="l" defTabSz="914400" rtl="0" eaLnBrk="1" latinLnBrk="0" hangingPunct="1">
+                  <a:lnSpc>
+                    <a:spcPct val="94000"/>
+                  </a:lnSpc>
+                  <a:spcBef>
+                    <a:spcPts val="500"/>
+                  </a:spcBef>
+                  <a:spcAft>
+                    <a:spcPts val="200"/>
+                  </a:spcAft>
+                  <a:buFont typeface="Franklin Gothic Book" panose="020B0503020102020204" pitchFamily="34" charset="0"/>
+                  <a:buChar char="■"/>
+                  <a:defRPr sz="1800" kern="1200" baseline="0">
+                    <a:solidFill>
+                      <a:schemeClr val="tx2"/>
+                    </a:solidFill>
+                    <a:latin typeface="+mn-lt"/>
+                    <a:ea typeface="+mn-ea"/>
+                    <a:cs typeface="+mn-cs"/>
+                  </a:defRPr>
+                </a:lvl3pPr>
+                <a:lvl4pPr marL="1828800" indent="-384048" algn="l" defTabSz="914400" rtl="0" eaLnBrk="1" latinLnBrk="0" hangingPunct="1">
+                  <a:lnSpc>
+                    <a:spcPct val="94000"/>
+                  </a:lnSpc>
+                  <a:spcBef>
+                    <a:spcPts val="500"/>
+                  </a:spcBef>
+                  <a:spcAft>
+                    <a:spcPts val="200"/>
+                  </a:spcAft>
+                  <a:buFont typeface="Franklin Gothic Book" panose="020B0503020102020204" pitchFamily="34" charset="0"/>
+                  <a:buChar char="–"/>
+                  <a:defRPr sz="1800" i="1" kern="1200" baseline="0">
+                    <a:solidFill>
+                      <a:schemeClr val="tx2"/>
+                    </a:solidFill>
+                    <a:latin typeface="+mn-lt"/>
+                    <a:ea typeface="+mn-ea"/>
+                    <a:cs typeface="+mn-cs"/>
+                  </a:defRPr>
+                </a:lvl4pPr>
+                <a:lvl5pPr marL="2286000" indent="-384048" algn="l" defTabSz="914400" rtl="0" eaLnBrk="1" latinLnBrk="0" hangingPunct="1">
+                  <a:lnSpc>
+                    <a:spcPct val="94000"/>
+                  </a:lnSpc>
+                  <a:spcBef>
+                    <a:spcPts val="500"/>
+                  </a:spcBef>
+                  <a:spcAft>
+                    <a:spcPts val="200"/>
+                  </a:spcAft>
+                  <a:buFont typeface="Franklin Gothic Book" panose="020B0503020102020204" pitchFamily="34" charset="0"/>
+                  <a:buChar char="■"/>
+                  <a:defRPr sz="1600" kern="1200" baseline="0">
+                    <a:solidFill>
+                      <a:schemeClr val="tx2"/>
+                    </a:solidFill>
+                    <a:latin typeface="+mn-lt"/>
+                    <a:ea typeface="+mn-ea"/>
+                    <a:cs typeface="+mn-cs"/>
+                  </a:defRPr>
+                </a:lvl5pPr>
+                <a:lvl6pPr marL="2743200" indent="-384048" algn="l" defTabSz="914400" rtl="0" eaLnBrk="1" latinLnBrk="0" hangingPunct="1">
+                  <a:lnSpc>
+                    <a:spcPct val="94000"/>
+                  </a:lnSpc>
+                  <a:spcBef>
+                    <a:spcPts val="500"/>
+                  </a:spcBef>
+                  <a:spcAft>
+                    <a:spcPts val="200"/>
+                  </a:spcAft>
+                  <a:buFont typeface="Franklin Gothic Book" panose="020B0503020102020204" pitchFamily="34" charset="0"/>
+                  <a:buChar char="–"/>
+                  <a:defRPr sz="1600" i="1" kern="1200" baseline="0">
+                    <a:solidFill>
+                      <a:schemeClr val="tx2"/>
+                    </a:solidFill>
+                    <a:latin typeface="+mn-lt"/>
+                    <a:ea typeface="+mn-ea"/>
+                    <a:cs typeface="+mn-cs"/>
+                  </a:defRPr>
+                </a:lvl6pPr>
+                <a:lvl7pPr marL="3200400" indent="-384048" algn="l" defTabSz="914400" rtl="0" eaLnBrk="1" latinLnBrk="0" hangingPunct="1">
+                  <a:lnSpc>
+                    <a:spcPct val="94000"/>
+                  </a:lnSpc>
+                  <a:spcBef>
+                    <a:spcPts val="500"/>
+                  </a:spcBef>
+                  <a:spcAft>
+                    <a:spcPts val="200"/>
+                  </a:spcAft>
+                  <a:buFont typeface="Franklin Gothic Book" panose="020B0503020102020204" pitchFamily="34" charset="0"/>
+                  <a:buChar char="■"/>
+                  <a:defRPr sz="1400" kern="1200" baseline="0">
+                    <a:solidFill>
+                      <a:schemeClr val="tx2"/>
+                    </a:solidFill>
+                    <a:latin typeface="+mn-lt"/>
+                    <a:ea typeface="+mn-ea"/>
+                    <a:cs typeface="+mn-cs"/>
+                  </a:defRPr>
+                </a:lvl7pPr>
+                <a:lvl8pPr marL="3657600" indent="-384048" algn="l" defTabSz="914400" rtl="0" eaLnBrk="1" latinLnBrk="0" hangingPunct="1">
+                  <a:lnSpc>
+                    <a:spcPct val="94000"/>
+                  </a:lnSpc>
+                  <a:spcBef>
+                    <a:spcPts val="500"/>
+                  </a:spcBef>
+                  <a:spcAft>
+                    <a:spcPts val="200"/>
+                  </a:spcAft>
+                  <a:buFont typeface="Franklin Gothic Book" panose="020B0503020102020204" pitchFamily="34" charset="0"/>
+                  <a:buChar char="–"/>
+                  <a:defRPr sz="1400" i="1" kern="1200" baseline="0">
+                    <a:solidFill>
+                      <a:schemeClr val="tx2"/>
+                    </a:solidFill>
+                    <a:latin typeface="+mn-lt"/>
+                    <a:ea typeface="+mn-ea"/>
+                    <a:cs typeface="+mn-cs"/>
+                  </a:defRPr>
+                </a:lvl8pPr>
+                <a:lvl9pPr marL="4114800" indent="-384048" algn="l" defTabSz="914400" rtl="0" eaLnBrk="1" latinLnBrk="0" hangingPunct="1">
+                  <a:lnSpc>
+                    <a:spcPct val="94000"/>
+                  </a:lnSpc>
+                  <a:spcBef>
+                    <a:spcPts val="500"/>
+                  </a:spcBef>
+                  <a:spcAft>
+                    <a:spcPts val="200"/>
+                  </a:spcAft>
+                  <a:buFont typeface="Franklin Gothic Book" panose="020B0503020102020204" pitchFamily="34" charset="0"/>
+                  <a:buChar char="■"/>
+                  <a:defRPr sz="1400" kern="1200" baseline="0">
+                    <a:solidFill>
+                      <a:schemeClr val="tx2"/>
+                    </a:solidFill>
+                    <a:latin typeface="+mn-lt"/>
+                    <a:ea typeface="+mn-ea"/>
+                    <a:cs typeface="+mn-cs"/>
+                  </a:defRPr>
+                </a:lvl9pPr>
+              </a:lstStyle>
               <a:p>
                 <a:pPr marL="0" indent="0">
+                  <a:buNone/>
+                </a:pPr>
+                <a:r>
+                  <a:rPr lang="en-US" sz="3200" b="1" u="sng" dirty="0" smtClean="0"/>
+                  <a:t>Solve:</a:t>
+                </a:r>
+                <a:endParaRPr lang="en-US" sz="3200" b="1" u="sng" dirty="0"/>
+              </a:p>
+              <a:p>
+                <a:pPr marL="0" indent="0">
+                  <a:buFont typeface="Franklin Gothic Book" panose="020B0503020102020204" pitchFamily="34" charset="0"/>
                   <a:buNone/>
                 </a:pPr>
                 <a14:m>
@@ -4951,7 +5100,7 @@
                             <a:rPr lang="en-US" sz="3200" b="0" i="1" smtClean="0">
                               <a:latin typeface="Cambria Math" panose="02040503050406030204" pitchFamily="18" charset="0"/>
                             </a:rPr>
-                            <m:t>5</m:t>
+                            <m:t>4</m:t>
                           </m:r>
                           <m:r>
                             <a:rPr lang="en-US" sz="3200" i="1">
@@ -4978,26 +5127,26 @@
                       <m:d>
                         <m:dPr>
                           <m:ctrlPr>
-                            <a:rPr lang="en-US" sz="3200" b="0" i="1" smtClean="0">
+                            <a:rPr lang="en-US" sz="3200" i="1" smtClean="0">
                               <a:latin typeface="Cambria Math" panose="02040503050406030204" pitchFamily="18" charset="0"/>
                             </a:rPr>
                           </m:ctrlPr>
                         </m:dPr>
                         <m:e>
                           <m:r>
-                            <a:rPr lang="en-US" sz="3200" b="0" i="1" smtClean="0">
+                            <a:rPr lang="en-US" sz="3200" i="1" smtClean="0">
                               <a:latin typeface="Cambria Math" panose="02040503050406030204" pitchFamily="18" charset="0"/>
                             </a:rPr>
                             <m:t>3</m:t>
                           </m:r>
                           <m:r>
-                            <a:rPr lang="en-US" sz="3200" b="0" i="1" smtClean="0">
+                            <a:rPr lang="en-US" sz="3200" i="1" smtClean="0">
                               <a:latin typeface="Cambria Math" panose="02040503050406030204" pitchFamily="18" charset="0"/>
                             </a:rPr>
                             <m:t>𝑥</m:t>
                           </m:r>
                           <m:r>
-                            <a:rPr lang="en-US" sz="3200" b="0" i="1" smtClean="0">
+                            <a:rPr lang="en-US" sz="3200" i="1" smtClean="0">
                               <a:latin typeface="Cambria Math" panose="02040503050406030204" pitchFamily="18" charset="0"/>
                             </a:rPr>
                             <m:t>−11</m:t>
@@ -5005,7 +5154,7 @@
                         </m:e>
                       </m:d>
                       <m:r>
-                        <a:rPr lang="en-US" sz="3200" b="0" i="1" smtClean="0">
+                        <a:rPr lang="en-US" sz="3200" i="1" smtClean="0">
                           <a:latin typeface="Cambria Math" panose="02040503050406030204" pitchFamily="18" charset="0"/>
                         </a:rPr>
                         <m:t>=3</m:t>
@@ -5017,30 +5166,9 @@
               </a:p>
               <a:p>
                 <a:pPr marL="0" indent="0">
+                  <a:buFont typeface="Franklin Gothic Book" panose="020B0503020102020204" pitchFamily="34" charset="0"/>
                   <a:buNone/>
                 </a:pPr>
-                <a:r>
-                  <a:rPr lang="en-US" sz="3200" i="1" dirty="0" smtClean="0">
-                    <a:latin typeface="Cambria Math" panose="02040503050406030204" pitchFamily="18" charset="0"/>
-                  </a:rPr>
-                  <a:t/>
-                </a:r>
-                <a:br>
-                  <a:rPr lang="en-US" sz="3200" i="1" dirty="0" smtClean="0">
-                    <a:latin typeface="Cambria Math" panose="02040503050406030204" pitchFamily="18" charset="0"/>
-                  </a:rPr>
-                </a:br>
-                <a:r>
-                  <a:rPr lang="en-US" sz="3200" i="1" dirty="0" smtClean="0">
-                    <a:latin typeface="Cambria Math" panose="02040503050406030204" pitchFamily="18" charset="0"/>
-                  </a:rPr>
-                  <a:t/>
-                </a:r>
-                <a:br>
-                  <a:rPr lang="en-US" sz="3200" i="1" dirty="0" smtClean="0">
-                    <a:latin typeface="Cambria Math" panose="02040503050406030204" pitchFamily="18" charset="0"/>
-                  </a:rPr>
-                </a:br>
                 <a14:m>
                   <m:oMathPara xmlns:m="http://schemas.openxmlformats.org/officeDocument/2006/math">
                     <m:oMathParaPr>
@@ -5048,13 +5176,19 @@
                     </m:oMathParaPr>
                     <m:oMath xmlns:m="http://schemas.openxmlformats.org/officeDocument/2006/math">
                       <m:r>
+                        <a:rPr lang="en-US" sz="3200" i="1" smtClean="0">
+                          <a:latin typeface="Cambria Math" panose="02040503050406030204" pitchFamily="18" charset="0"/>
+                        </a:rPr>
+                        <m:t>5</m:t>
+                      </m:r>
+                      <m:r>
                         <a:rPr lang="en-US" sz="3200" i="1">
                           <a:latin typeface="Cambria Math" panose="02040503050406030204" pitchFamily="18" charset="0"/>
                         </a:rPr>
-                        <m:t>6.) </m:t>
+                        <m:t>.) </m:t>
                       </m:r>
                       <m:r>
-                        <a:rPr lang="en-US" sz="3200" b="0" i="1" smtClean="0">
+                        <a:rPr lang="en-US" sz="3200" i="1" smtClean="0">
                           <a:latin typeface="Cambria Math" panose="02040503050406030204" pitchFamily="18" charset="0"/>
                         </a:rPr>
                         <m:t>4</m:t>
@@ -5062,7 +5196,7 @@
                       <m:func>
                         <m:funcPr>
                           <m:ctrlPr>
-                            <a:rPr lang="en-US" sz="3200" b="0" i="1" smtClean="0">
+                            <a:rPr lang="en-US" sz="3200" i="1" smtClean="0">
                               <a:latin typeface="Cambria Math" panose="02040503050406030204" pitchFamily="18" charset="0"/>
                             </a:rPr>
                           </m:ctrlPr>
@@ -5072,7 +5206,7 @@
                             <m:rPr>
                               <m:sty m:val="p"/>
                             </m:rPr>
-                            <a:rPr lang="en-US" sz="3200" b="0" i="0" smtClean="0">
+                            <a:rPr lang="en-US" sz="3200" smtClean="0">
                               <a:latin typeface="Cambria Math" panose="02040503050406030204" pitchFamily="18" charset="0"/>
                             </a:rPr>
                             <m:t>ln</m:t>
@@ -5080,13 +5214,13 @@
                         </m:fName>
                         <m:e>
                           <m:r>
-                            <a:rPr lang="en-US" sz="3200" b="0" i="1" smtClean="0">
+                            <a:rPr lang="en-US" sz="3200" i="1" smtClean="0">
                               <a:latin typeface="Cambria Math" panose="02040503050406030204" pitchFamily="18" charset="0"/>
                             </a:rPr>
                             <m:t>2</m:t>
                           </m:r>
                           <m:r>
-                            <a:rPr lang="en-US" sz="3200" b="0" i="1" smtClean="0">
+                            <a:rPr lang="en-US" sz="3200" i="1" smtClean="0">
                               <a:latin typeface="Cambria Math" panose="02040503050406030204" pitchFamily="18" charset="0"/>
                             </a:rPr>
                             <m:t>𝑥</m:t>
@@ -5094,7 +5228,7 @@
                         </m:e>
                       </m:func>
                       <m:r>
-                        <a:rPr lang="en-US" sz="3200" b="0" i="1" smtClean="0">
+                        <a:rPr lang="en-US" sz="3200" i="1" smtClean="0">
                           <a:latin typeface="Cambria Math" panose="02040503050406030204" pitchFamily="18" charset="0"/>
                         </a:rPr>
                         <m:t>=24</m:t>
@@ -5102,26 +5236,13 @@
                     </m:oMath>
                   </m:oMathPara>
                 </a14:m>
-                <a:endParaRPr lang="en-US" sz="3200" b="0" dirty="0" smtClean="0"/>
+                <a:endParaRPr lang="en-US" sz="3200" dirty="0" smtClean="0"/>
               </a:p>
               <a:p>
                 <a:pPr marL="0" indent="0">
+                  <a:buFont typeface="Franklin Gothic Book" panose="020B0503020102020204" pitchFamily="34" charset="0"/>
                   <a:buNone/>
                 </a:pPr>
-                <a:r>
-                  <a:rPr lang="en-US" sz="3200" i="1" dirty="0" smtClean="0"/>
-                  <a:t/>
-                </a:r>
-                <a:br>
-                  <a:rPr lang="en-US" sz="3200" i="1" dirty="0" smtClean="0"/>
-                </a:br>
-                <a:r>
-                  <a:rPr lang="en-US" sz="3200" i="1" dirty="0" smtClean="0"/>
-                  <a:t/>
-                </a:r>
-                <a:br>
-                  <a:rPr lang="en-US" sz="3200" i="1" dirty="0" smtClean="0"/>
-                </a:br>
                 <a14:m>
                   <m:oMathPara xmlns:m="http://schemas.openxmlformats.org/officeDocument/2006/math">
                     <m:oMathParaPr>
@@ -5141,7 +5262,13 @@
                             <a:rPr lang="en-US" sz="3200" b="0" i="1" smtClean="0">
                               <a:latin typeface="Cambria Math" panose="02040503050406030204" pitchFamily="18" charset="0"/>
                             </a:rPr>
-                            <m:t>7.) 7</m:t>
+                            <m:t>6</m:t>
+                          </m:r>
+                          <m:r>
+                            <a:rPr lang="en-US" sz="3200" i="1" smtClean="0">
+                              <a:latin typeface="Cambria Math" panose="02040503050406030204" pitchFamily="18" charset="0"/>
+                            </a:rPr>
+                            <m:t>.) 7</m:t>
                           </m:r>
                         </m:e>
                         <m:sup>
@@ -5172,7 +5299,7 @@
                         <m:t>=</m:t>
                       </m:r>
                       <m:r>
-                        <a:rPr lang="en-US" sz="3200" b="0" i="1" smtClean="0">
+                        <a:rPr lang="en-US" sz="3200" i="1" smtClean="0">
                           <a:latin typeface="Cambria Math" panose="02040503050406030204" pitchFamily="18" charset="0"/>
                         </a:rPr>
                         <m:t>343</m:t>
@@ -5185,26 +5312,27 @@
             </p:txBody>
           </p:sp>
         </mc:Choice>
-        <mc:Fallback xmlns="">
+        <mc:Fallback>
           <p:sp>
             <p:nvSpPr>
-              <p:cNvPr id="3" name="Content Placeholder 2"/>
-              <p:cNvSpPr>
-                <a:spLocks noGrp="1" noRot="1" noChangeAspect="1" noMove="1" noResize="1" noEditPoints="1" noAdjustHandles="1" noChangeArrowheads="1" noChangeShapeType="1" noTextEdit="1"/>
+              <p:cNvPr id="4" name="Content Placeholder 2"/>
+              <p:cNvSpPr txBox="1">
+                <a:spLocks noRot="1" noChangeAspect="1" noMove="1" noResize="1" noEditPoints="1" noAdjustHandles="1" noChangeArrowheads="1" noChangeShapeType="1" noTextEdit="1"/>
               </p:cNvSpPr>
-              <p:nvPr>
-                <p:ph idx="1"/>
-              </p:nvPr>
+              <p:nvPr/>
             </p:nvSpPr>
             <p:spPr>
               <a:xfrm>
-                <a:off x="1371600" y="1708879"/>
-                <a:ext cx="8319541" cy="5036695"/>
+                <a:off x="6663659" y="1143201"/>
+                <a:ext cx="4458741" cy="5036695"/>
               </a:xfrm>
+              <a:prstGeom prst="rect">
+                <a:avLst/>
+              </a:prstGeom>
               <a:blipFill rotWithShape="0">
-                <a:blip r:embed="rId2"/>
+                <a:blip r:embed="rId3"/>
                 <a:stretch>
-                  <a:fillRect/>
+                  <a:fillRect l="-3415" t="-2058"/>
                 </a:stretch>
               </a:blipFill>
             </p:spPr>
@@ -5223,10 +5351,71 @@
           </p:sp>
         </mc:Fallback>
       </mc:AlternateContent>
+      <p:sp>
+        <p:nvSpPr>
+          <p:cNvPr id="5" name="Rectangle 4"/>
+          <p:cNvSpPr/>
+          <p:nvPr/>
+        </p:nvSpPr>
+        <p:spPr>
+          <a:xfrm>
+            <a:off x="1371600" y="4862204"/>
+            <a:ext cx="10080172" cy="1569660"/>
+          </a:xfrm>
+          <a:prstGeom prst="rect">
+            <a:avLst/>
+          </a:prstGeom>
+        </p:spPr>
+        <p:txBody>
+          <a:bodyPr wrap="square">
+            <a:spAutoFit/>
+          </a:bodyPr>
+          <a:lstStyle/>
+          <a:p>
+            <a:r>
+              <a:rPr lang="en-US" sz="3200" dirty="0" smtClean="0"/>
+              <a:t>7.) You </a:t>
+            </a:r>
+            <a:r>
+              <a:rPr lang="en-US" sz="3200" dirty="0"/>
+              <a:t>have $3000 to invest. How long will it take for you to have $5000 in your account if you invest it at 6.2% compounded continuously? </a:t>
+            </a:r>
+          </a:p>
+        </p:txBody>
+      </p:sp>
+      <p:sp>
+        <p:nvSpPr>
+          <p:cNvPr id="6" name="Rectangle 5"/>
+          <p:cNvSpPr/>
+          <p:nvPr/>
+        </p:nvSpPr>
+        <p:spPr>
+          <a:xfrm>
+            <a:off x="1371600" y="4277429"/>
+            <a:ext cx="1220399" cy="584775"/>
+          </a:xfrm>
+          <a:prstGeom prst="rect">
+            <a:avLst/>
+          </a:prstGeom>
+        </p:spPr>
+        <p:txBody>
+          <a:bodyPr wrap="none">
+            <a:spAutoFit/>
+          </a:bodyPr>
+          <a:lstStyle/>
+          <a:p>
+            <a:r>
+              <a:rPr lang="en-US" sz="3200" b="1" u="sng" dirty="0"/>
+              <a:t>Solve:</a:t>
+            </a:r>
+            <a:endParaRPr lang="en-US" sz="3200" b="1" u="sng" dirty="0"/>
+          </a:p>
+        </p:txBody>
+      </p:sp>
     </p:spTree>
     <p:extLst>
       <p:ext uri="{BB962C8B-B14F-4D97-AF65-F5344CB8AC3E}">
-        <p14:creationId xmlns:p14="http://schemas.microsoft.com/office/powerpoint/2010/main" val="3018466027"/>
+        <p14:creationId xmlns:p14="http://schemas.microsoft.com/office/powerpoint/2010/main" val="4225393038"/>
       </p:ext>
     </p:extLst>
   </p:cSld>
@@ -5272,129 +5461,6 @@
         </p:nvSpPr>
         <p:spPr>
           <a:xfrm>
-            <a:off x="1371600" y="685800"/>
-            <a:ext cx="9601200" cy="843197"/>
-          </a:xfrm>
-        </p:spPr>
-        <p:txBody>
-          <a:bodyPr/>
-          <a:lstStyle/>
-          <a:p>
-            <a:r>
-              <a:rPr lang="en-US" b="1" u="sng" dirty="0" smtClean="0"/>
-              <a:t>Quiz 1 Level 4: Solve the Following</a:t>
-            </a:r>
-            <a:endParaRPr lang="en-US" dirty="0"/>
-          </a:p>
-        </p:txBody>
-      </p:sp>
-      <p:sp>
-        <p:nvSpPr>
-          <p:cNvPr id="3" name="Content Placeholder 2"/>
-          <p:cNvSpPr>
-            <a:spLocks noGrp="1"/>
-          </p:cNvSpPr>
-          <p:nvPr>
-            <p:ph idx="1"/>
-          </p:nvPr>
-        </p:nvSpPr>
-        <p:spPr>
-          <a:xfrm>
-            <a:off x="1371600" y="1708879"/>
-            <a:ext cx="8319541" cy="5036695"/>
-          </a:xfrm>
-        </p:spPr>
-        <p:txBody>
-          <a:bodyPr>
-            <a:normAutofit/>
-          </a:bodyPr>
-          <a:lstStyle/>
-          <a:p>
-            <a:pPr marL="0" indent="0">
-              <a:buNone/>
-            </a:pPr>
-            <a:r>
-              <a:rPr lang="en-US" sz="3200" dirty="0"/>
-              <a:t>You have </a:t>
-            </a:r>
-            <a:r>
-              <a:rPr lang="en-US" sz="3200" dirty="0" smtClean="0"/>
-              <a:t>$3000 to invest. How long will it take for you to have $5000 in your account if you invest it at 6.2% compounded daily? </a:t>
-            </a:r>
-          </a:p>
-          <a:p>
-            <a:pPr marL="0" indent="0">
-              <a:buNone/>
-            </a:pPr>
-            <a:endParaRPr lang="en-US" sz="3200" dirty="0"/>
-          </a:p>
-          <a:p>
-            <a:pPr marL="0" indent="0">
-              <a:buNone/>
-            </a:pPr>
-            <a:r>
-              <a:rPr lang="en-US" sz="3200" dirty="0" smtClean="0"/>
-              <a:t>Would it be a better or worse idea to invest your $3000 into an account that pays 6.15% compounded continuously? Why? </a:t>
-            </a:r>
-            <a:endParaRPr lang="en-US" sz="3200" dirty="0"/>
-          </a:p>
-          <a:p>
-            <a:pPr marL="0" indent="0">
-              <a:buNone/>
-            </a:pPr>
-            <a:endParaRPr lang="en-US" sz="3200" dirty="0"/>
-          </a:p>
-        </p:txBody>
-      </p:sp>
-    </p:spTree>
-    <p:extLst>
-      <p:ext uri="{BB962C8B-B14F-4D97-AF65-F5344CB8AC3E}">
-        <p14:creationId xmlns:p14="http://schemas.microsoft.com/office/powerpoint/2010/main" val="776233288"/>
-      </p:ext>
-    </p:extLst>
-  </p:cSld>
-  <p:clrMapOvr>
-    <a:masterClrMapping/>
-  </p:clrMapOvr>
-  <p:timing>
-    <p:tnLst>
-      <p:par>
-        <p:cTn id="1" dur="indefinite" restart="never" nodeType="tmRoot"/>
-      </p:par>
-    </p:tnLst>
-  </p:timing>
-</p:sld>
-</file>
-
-<file path=ppt/slides/slide7.xml><?xml version="1.0" encoding="utf-8"?>
-<p:sld xmlns:a="http://schemas.openxmlformats.org/drawingml/2006/main" xmlns:r="http://schemas.openxmlformats.org/officeDocument/2006/relationships" xmlns:p="http://schemas.openxmlformats.org/presentationml/2006/main">
-  <p:cSld>
-    <p:spTree>
-      <p:nvGrpSpPr>
-        <p:cNvPr id="1" name=""/>
-        <p:cNvGrpSpPr/>
-        <p:nvPr/>
-      </p:nvGrpSpPr>
-      <p:grpSpPr>
-        <a:xfrm>
-          <a:off x="0" y="0"/>
-          <a:ext cx="0" cy="0"/>
-          <a:chOff x="0" y="0"/>
-          <a:chExt cx="0" cy="0"/>
-        </a:xfrm>
-      </p:grpSpPr>
-      <p:sp>
-        <p:nvSpPr>
-          <p:cNvPr id="2" name="Title 1"/>
-          <p:cNvSpPr>
-            <a:spLocks noGrp="1"/>
-          </p:cNvSpPr>
-          <p:nvPr>
-            <p:ph type="title"/>
-          </p:nvPr>
-        </p:nvSpPr>
-        <p:spPr>
-          <a:xfrm>
             <a:off x="1371600" y="415977"/>
             <a:ext cx="9601200" cy="1485900"/>
           </a:xfrm>
@@ -5542,7 +5608,7 @@
 </p:sld>
 </file>
 
-<file path=ppt/slides/slide8.xml><?xml version="1.0" encoding="utf-8"?>
+<file path=ppt/slides/slide7.xml><?xml version="1.0" encoding="utf-8"?>
 <p:sld xmlns:a="http://schemas.openxmlformats.org/drawingml/2006/main" xmlns:r="http://schemas.openxmlformats.org/officeDocument/2006/relationships" xmlns:p="http://schemas.openxmlformats.org/presentationml/2006/main">
   <p:cSld>
     <p:spTree>

--- a/_PowerPoints/2nd Semester/Unit 9 Logarithms/Algebra_4_Day_078 Quiz and Test Review.pptx
+++ b/_PowerPoints/2nd Semester/Unit 9 Logarithms/Algebra_4_Day_078 Quiz and Test Review.pptx
@@ -288,7 +288,7 @@
             <a:fld id="{87DE6118-2437-4B30-8E3C-4D2BE6020583}" type="datetimeFigureOut">
               <a:rPr lang="en-US" dirty="0"/>
               <a:pPr/>
-              <a:t>5/9/2018</a:t>
+              <a:t>5/10/2018</a:t>
             </a:fld>
             <a:endParaRPr lang="en-US" dirty="0"/>
           </a:p>
@@ -614,7 +614,7 @@
           <a:p>
             <a:fld id="{87DE6118-2437-4B30-8E3C-4D2BE6020583}" type="datetimeFigureOut">
               <a:rPr lang="en-US" dirty="0"/>
-              <a:t>5/9/2018</a:t>
+              <a:t>5/10/2018</a:t>
             </a:fld>
             <a:endParaRPr lang="en-US" dirty="0"/>
           </a:p>
@@ -789,7 +789,7 @@
           <a:p>
             <a:fld id="{87DE6118-2437-4B30-8E3C-4D2BE6020583}" type="datetimeFigureOut">
               <a:rPr lang="en-US" dirty="0"/>
-              <a:t>5/9/2018</a:t>
+              <a:t>5/10/2018</a:t>
             </a:fld>
             <a:endParaRPr lang="en-US" dirty="0"/>
           </a:p>
@@ -954,7 +954,7 @@
           <a:p>
             <a:fld id="{87DE6118-2437-4B30-8E3C-4D2BE6020583}" type="datetimeFigureOut">
               <a:rPr lang="en-US" dirty="0"/>
-              <a:t>5/9/2018</a:t>
+              <a:t>5/10/2018</a:t>
             </a:fld>
             <a:endParaRPr lang="en-US" dirty="0"/>
           </a:p>
@@ -1227,7 +1227,7 @@
             <a:fld id="{87DE6118-2437-4B30-8E3C-4D2BE6020583}" type="datetimeFigureOut">
               <a:rPr lang="en-US" dirty="0"/>
               <a:pPr/>
-              <a:t>5/9/2018</a:t>
+              <a:t>5/10/2018</a:t>
             </a:fld>
             <a:endParaRPr lang="en-US" dirty="0"/>
           </a:p>
@@ -1617,7 +1617,7 @@
           <a:p>
             <a:fld id="{87DE6118-2437-4B30-8E3C-4D2BE6020583}" type="datetimeFigureOut">
               <a:rPr lang="en-US" dirty="0"/>
-              <a:t>5/9/2018</a:t>
+              <a:t>5/10/2018</a:t>
             </a:fld>
             <a:endParaRPr lang="en-US" dirty="0"/>
           </a:p>
@@ -2089,7 +2089,7 @@
           <a:p>
             <a:fld id="{87DE6118-2437-4B30-8E3C-4D2BE6020583}" type="datetimeFigureOut">
               <a:rPr lang="en-US" dirty="0"/>
-              <a:t>5/9/2018</a:t>
+              <a:t>5/10/2018</a:t>
             </a:fld>
             <a:endParaRPr lang="en-US" dirty="0"/>
           </a:p>
@@ -2202,7 +2202,7 @@
           <a:p>
             <a:fld id="{87DE6118-2437-4B30-8E3C-4D2BE6020583}" type="datetimeFigureOut">
               <a:rPr lang="en-US" dirty="0"/>
-              <a:t>5/9/2018</a:t>
+              <a:t>5/10/2018</a:t>
             </a:fld>
             <a:endParaRPr lang="en-US" dirty="0"/>
           </a:p>
@@ -2292,7 +2292,7 @@
           <a:p>
             <a:fld id="{87DE6118-2437-4B30-8E3C-4D2BE6020583}" type="datetimeFigureOut">
               <a:rPr lang="en-US" dirty="0"/>
-              <a:t>5/9/2018</a:t>
+              <a:t>5/10/2018</a:t>
             </a:fld>
             <a:endParaRPr lang="en-US" dirty="0"/>
           </a:p>
@@ -2634,7 +2634,7 @@
             <a:fld id="{87DE6118-2437-4B30-8E3C-4D2BE6020583}" type="datetimeFigureOut">
               <a:rPr lang="en-US" dirty="0"/>
               <a:pPr/>
-              <a:t>5/9/2018</a:t>
+              <a:t>5/10/2018</a:t>
             </a:fld>
             <a:endParaRPr lang="en-US" dirty="0"/>
           </a:p>
@@ -3019,7 +3019,7 @@
             <a:fld id="{87DE6118-2437-4B30-8E3C-4D2BE6020583}" type="datetimeFigureOut">
               <a:rPr lang="en-US" dirty="0"/>
               <a:pPr/>
-              <a:t>5/9/2018</a:t>
+              <a:t>5/10/2018</a:t>
             </a:fld>
             <a:endParaRPr lang="en-US" dirty="0"/>
           </a:p>
@@ -3294,7 +3294,7 @@
             <a:fld id="{87DE6118-2437-4B30-8E3C-4D2BE6020583}" type="datetimeFigureOut">
               <a:rPr lang="en-US" dirty="0"/>
               <a:pPr/>
-              <a:t>5/9/2018</a:t>
+              <a:t>5/10/2018</a:t>
             </a:fld>
             <a:endParaRPr lang="en-US" dirty="0"/>
           </a:p>
@@ -3830,8 +3830,8 @@
           </a:p>
         </p:txBody>
       </p:sp>
-      <mc:AlternateContent xmlns:mc="http://schemas.openxmlformats.org/markup-compatibility/2006">
-        <mc:Choice xmlns:a14="http://schemas.microsoft.com/office/drawing/2010/main" Requires="a14">
+      <mc:AlternateContent xmlns:mc="http://schemas.openxmlformats.org/markup-compatibility/2006" xmlns:a14="http://schemas.microsoft.com/office/drawing/2010/main">
+        <mc:Choice Requires="a14">
           <p:sp>
             <p:nvSpPr>
               <p:cNvPr id="3" name="Content Placeholder 2"/>
@@ -3916,13 +3916,7 @@
                         <a:rPr lang="en-US" sz="3200" b="0" i="1" smtClean="0">
                           <a:latin typeface="Cambria Math" panose="02040503050406030204" pitchFamily="18" charset="0"/>
                         </a:rPr>
-                        <m:t>−</m:t>
-                      </m:r>
-                      <m:r>
-                        <a:rPr lang="en-US" sz="3200" b="0" i="1" smtClean="0">
-                          <a:latin typeface="Cambria Math" panose="02040503050406030204" pitchFamily="18" charset="0"/>
-                        </a:rPr>
-                        <m:t>8</m:t>
+                        <m:t>−8</m:t>
                       </m:r>
                       <m:r>
                         <a:rPr lang="en-US" sz="3200" i="1">
@@ -4146,7 +4140,7 @@
             </p:txBody>
           </p:sp>
         </mc:Choice>
-        <mc:Fallback>
+        <mc:Fallback xmlns="">
           <p:sp>
             <p:nvSpPr>
               <p:cNvPr id="3" name="Content Placeholder 2"/>
@@ -4525,18 +4519,14 @@
           <a:p>
             <a:r>
               <a:rPr lang="en-US" b="1" u="sng" dirty="0" smtClean="0"/>
-              <a:t>Quiz </a:t>
-            </a:r>
-            <a:r>
-              <a:rPr lang="en-US" b="1" u="sng" dirty="0" smtClean="0"/>
-              <a:t>Log and Exponentials</a:t>
-            </a:r>
-            <a:endParaRPr lang="en-US" dirty="0"/>
-          </a:p>
-        </p:txBody>
-      </p:sp>
-      <mc:AlternateContent xmlns:mc="http://schemas.openxmlformats.org/markup-compatibility/2006">
-        <mc:Choice xmlns:a14="http://schemas.microsoft.com/office/drawing/2010/main" Requires="a14">
+              <a:t>Quiz Log and Exponentials</a:t>
+            </a:r>
+            <a:endParaRPr lang="en-US" dirty="0"/>
+          </a:p>
+        </p:txBody>
+      </p:sp>
+      <mc:AlternateContent xmlns:mc="http://schemas.openxmlformats.org/markup-compatibility/2006" xmlns:a14="http://schemas.microsoft.com/office/drawing/2010/main">
+        <mc:Choice Requires="a14">
           <p:sp>
             <p:nvSpPr>
               <p:cNvPr id="3" name="Content Placeholder 2"/>
@@ -4633,13 +4623,7 @@
                         <a:rPr lang="en-US" sz="3200" b="0" i="1" smtClean="0">
                           <a:latin typeface="Cambria Math" panose="02040503050406030204" pitchFamily="18" charset="0"/>
                         </a:rPr>
-                        <m:t>2</m:t>
-                      </m:r>
-                      <m:r>
-                        <a:rPr lang="en-US" sz="3200" b="0" i="1" smtClean="0">
-                          <a:latin typeface="Cambria Math" panose="02040503050406030204" pitchFamily="18" charset="0"/>
-                        </a:rPr>
-                        <m:t>.) </m:t>
+                        <m:t>2.) </m:t>
                       </m:r>
                       <m:r>
                         <a:rPr lang="en-US" sz="3200" i="1">
@@ -4695,11 +4679,7 @@
                 </a:pPr>
                 <a:r>
                   <a:rPr lang="en-US" sz="3200" b="1" u="sng" dirty="0" smtClean="0"/>
-                  <a:t>Expand</a:t>
-                </a:r>
-                <a:r>
-                  <a:rPr lang="en-US" sz="3200" b="1" u="sng" dirty="0" smtClean="0"/>
-                  <a:t>:</a:t>
+                  <a:t>Expand:</a:t>
                 </a:r>
                 <a:endParaRPr lang="en-US" sz="3200" b="1" u="sng" dirty="0"/>
               </a:p>
@@ -4814,7 +4794,7 @@
             </p:txBody>
           </p:sp>
         </mc:Choice>
-        <mc:Fallback>
+        <mc:Fallback xmlns="">
           <p:sp>
             <p:nvSpPr>
               <p:cNvPr id="3" name="Content Placeholder 2"/>
@@ -4852,8 +4832,8 @@
           </p:sp>
         </mc:Fallback>
       </mc:AlternateContent>
-      <mc:AlternateContent xmlns:mc="http://schemas.openxmlformats.org/markup-compatibility/2006">
-        <mc:Choice xmlns:a14="http://schemas.microsoft.com/office/drawing/2010/main" Requires="a14">
+      <mc:AlternateContent xmlns:mc="http://schemas.openxmlformats.org/markup-compatibility/2006" xmlns:a14="http://schemas.microsoft.com/office/drawing/2010/main">
+        <mc:Choice Requires="a14">
           <p:sp>
             <p:nvSpPr>
               <p:cNvPr id="4" name="Content Placeholder 2"/>
@@ -5312,7 +5292,7 @@
             </p:txBody>
           </p:sp>
         </mc:Choice>
-        <mc:Fallback>
+        <mc:Fallback xmlns="">
           <p:sp>
             <p:nvSpPr>
               <p:cNvPr id="4" name="Content Placeholder 2"/>
@@ -5408,7 +5388,6 @@
               <a:rPr lang="en-US" sz="3200" b="1" u="sng" dirty="0"/>
               <a:t>Solve:</a:t>
             </a:r>
-            <a:endParaRPr lang="en-US" sz="3200" b="1" u="sng" dirty="0"/>
           </a:p>
         </p:txBody>
       </p:sp>
@@ -5661,66 +5640,19 @@
         <p:spPr/>
         <p:txBody>
           <a:bodyPr>
-            <a:normAutofit/>
+            <a:noAutofit/>
           </a:bodyPr>
           <a:lstStyle/>
           <a:p>
             <a:r>
-              <a:rPr lang="en-US" sz="3000" dirty="0" smtClean="0"/>
-              <a:t>Page 273 # 1, 8, 12 – 15, 17 – 19, </a:t>
-            </a:r>
-          </a:p>
-          <a:p>
-            <a:pPr marL="0" indent="0">
-              <a:buNone/>
-            </a:pPr>
-            <a:r>
-              <a:rPr lang="en-US" sz="3000" dirty="0"/>
-              <a:t>	</a:t>
-            </a:r>
-            <a:r>
-              <a:rPr lang="en-US" sz="3000" dirty="0" smtClean="0"/>
-              <a:t>  	    21 – 26, </a:t>
-            </a:r>
-          </a:p>
-          <a:p>
-            <a:pPr marL="0" indent="0">
-              <a:buNone/>
-            </a:pPr>
-            <a:endParaRPr lang="en-US" sz="3000" dirty="0" smtClean="0"/>
-          </a:p>
-          <a:p>
-            <a:r>
-              <a:rPr lang="en-US" sz="3000" dirty="0" smtClean="0"/>
-              <a:t>Page 270 #21 – 24, 33, 37 – 48, </a:t>
-            </a:r>
-          </a:p>
-          <a:p>
-            <a:pPr marL="0" indent="0">
-              <a:buNone/>
-            </a:pPr>
-            <a:r>
-              <a:rPr lang="en-US" sz="3000" dirty="0"/>
-              <a:t>	</a:t>
-            </a:r>
-            <a:r>
-              <a:rPr lang="en-US" sz="3000" dirty="0" smtClean="0"/>
-              <a:t>	    59, 61 – 63, 73, 75 – 76, </a:t>
-            </a:r>
-          </a:p>
-          <a:p>
-            <a:pPr marL="0" indent="0">
-              <a:buNone/>
-            </a:pPr>
-            <a:r>
-              <a:rPr lang="en-US" sz="3000" dirty="0"/>
-              <a:t>	</a:t>
-            </a:r>
-            <a:r>
-              <a:rPr lang="en-US" sz="3000" dirty="0" smtClean="0"/>
-              <a:t>	    83 – 101, 109 </a:t>
-            </a:r>
-            <a:endParaRPr lang="en-US" sz="3000" dirty="0"/>
+              <a:rPr lang="en-US" sz="4000" dirty="0" smtClean="0"/>
+              <a:t>Page </a:t>
+            </a:r>
+            <a:r>
+              <a:rPr lang="en-US" sz="4000" dirty="0" smtClean="0"/>
+              <a:t>488 #18 – 31, 38 – 71 </a:t>
+            </a:r>
+            <a:endParaRPr lang="en-US" sz="4000" dirty="0"/>
           </a:p>
         </p:txBody>
       </p:sp>
